--- a/Matches/EveryDay Carry Championship/EveryDay Carry Championship - February 2022/SUR-B - Ignore The Man Behind The Curtain 2.pptx
+++ b/Matches/EveryDay Carry Championship/EveryDay Carry Championship - February 2022/SUR-B - Ignore The Man Behind The Curtain 2.pptx
@@ -1156,7 +1156,7 @@
               <a:pPr>
                 <a:defRPr/>
               </a:pPr>
-              <a:t>02.02.2022</a:t>
+              <a:t>05.02.2022</a:t>
             </a:fld>
             <a:endParaRPr lang="en-US"/>
           </a:p>
@@ -5052,7 +5052,7 @@
           <p:nvPr>
             <p:extLst>
               <p:ext uri="{D42A27DB-BD31-4B8C-83A1-F6EECF244321}">
-                <p14:modId xmlns:p14="http://schemas.microsoft.com/office/powerpoint/2010/main" val="134424010"/>
+                <p14:modId xmlns:p14="http://schemas.microsoft.com/office/powerpoint/2010/main" val="1323677433"/>
               </p:ext>
             </p:extLst>
           </p:nvPr>
@@ -5254,7 +5254,22 @@
                           <a:ea typeface="+mn-ea"/>
                           <a:cs typeface="+mn-cs"/>
                         </a:rPr>
-                        <a:t>Stage: Ignore The Man Behind The Curtain</a:t>
+                        <a:t>Stage: Ignore The Man Behind </a:t>
+                      </a:r>
+                      <a:r>
+                        <a:rPr kumimoji="0" lang="en-US" sz="1200" b="1" i="0" u="none" strike="noStrike" kern="1200" cap="none" normalizeH="0" baseline="0">
+                          <a:ln>
+                            <a:noFill/>
+                          </a:ln>
+                          <a:solidFill>
+                            <a:schemeClr val="tx1"/>
+                          </a:solidFill>
+                          <a:effectLst/>
+                          <a:latin typeface="Arial" charset="0"/>
+                          <a:ea typeface="+mn-ea"/>
+                          <a:cs typeface="+mn-cs"/>
+                        </a:rPr>
+                        <a:t>The Curtain 2</a:t>
                       </a:r>
                       <a:br>
                         <a:rPr kumimoji="0" lang="en-US" sz="1200" b="1" i="0" u="none" strike="noStrike" kern="1200" cap="none" normalizeH="0" baseline="0" dirty="0">
@@ -5484,7 +5499,37 @@
                           <a:ea typeface="ＭＳ Ｐゴシック" pitchFamily="-112" charset="-128"/>
                           <a:cs typeface="Times New Roman" pitchFamily="-112" charset="0"/>
                         </a:rPr>
-                        <a:t>Standing with hands touching marks, gun loaded and holstered, wrists below belt. PCC Loaded, safety on. Stock touching belt with muzzle pointing at berm and touching wall under either X.</a:t>
+                        <a:t>Standing with hands touching marks, gun loaded </a:t>
+                      </a:r>
+                      <a:r>
+                        <a:rPr kumimoji="0" lang="en-US" sz="1100" b="0" i="0" u="none" strike="noStrike" cap="none" normalizeH="0" baseline="0">
+                          <a:ln>
+                            <a:noFill/>
+                          </a:ln>
+                          <a:solidFill>
+                            <a:schemeClr val="tx1"/>
+                          </a:solidFill>
+                          <a:effectLst/>
+                          <a:latin typeface="Arial" charset="0"/>
+                          <a:ea typeface="ＭＳ Ｐゴシック" pitchFamily="-112" charset="-128"/>
+                          <a:cs typeface="Times New Roman" pitchFamily="-112" charset="0"/>
+                        </a:rPr>
+                        <a:t>and holstered. </a:t>
+                      </a:r>
+                      <a:r>
+                        <a:rPr kumimoji="0" lang="en-US" sz="1100" b="0" i="0" u="none" strike="noStrike" cap="none" normalizeH="0" baseline="0" dirty="0">
+                          <a:ln>
+                            <a:noFill/>
+                          </a:ln>
+                          <a:solidFill>
+                            <a:schemeClr val="tx1"/>
+                          </a:solidFill>
+                          <a:effectLst/>
+                          <a:latin typeface="Arial" charset="0"/>
+                          <a:ea typeface="ＭＳ Ｐゴシック" pitchFamily="-112" charset="-128"/>
+                          <a:cs typeface="Times New Roman" pitchFamily="-112" charset="0"/>
+                        </a:rPr>
+                        <a:t>PCC Loaded, safety on. Stock touching belt with muzzle pointing at berm and touching wall under either X.</a:t>
                       </a:r>
                       <a:endParaRPr kumimoji="0" lang="en-US" sz="1100" b="1" i="0" u="none" strike="noStrike" cap="none" normalizeH="0" baseline="0" dirty="0">
                         <a:ln>
